--- a/docs/project.pptx
+++ b/docs/project.pptx
@@ -268,7 +268,7 @@
           <a:p>
             <a:fld id="{DF7189C5-6E85-4FE2-A0D4-1F92D7BE09D1}" type="datetimeFigureOut">
               <a:rPr lang="en-IN" smtClean="0"/>
-              <a:t>09-06-2015</a:t>
+              <a:t>11-06-2015</a:t>
             </a:fld>
             <a:endParaRPr lang="en-IN"/>
           </a:p>
@@ -438,7 +438,7 @@
           <a:p>
             <a:fld id="{DF7189C5-6E85-4FE2-A0D4-1F92D7BE09D1}" type="datetimeFigureOut">
               <a:rPr lang="en-IN" smtClean="0"/>
-              <a:t>09-06-2015</a:t>
+              <a:t>11-06-2015</a:t>
             </a:fld>
             <a:endParaRPr lang="en-IN"/>
           </a:p>
@@ -618,7 +618,7 @@
           <a:p>
             <a:fld id="{DF7189C5-6E85-4FE2-A0D4-1F92D7BE09D1}" type="datetimeFigureOut">
               <a:rPr lang="en-IN" smtClean="0"/>
-              <a:t>09-06-2015</a:t>
+              <a:t>11-06-2015</a:t>
             </a:fld>
             <a:endParaRPr lang="en-IN"/>
           </a:p>
@@ -788,7 +788,7 @@
           <a:p>
             <a:fld id="{DF7189C5-6E85-4FE2-A0D4-1F92D7BE09D1}" type="datetimeFigureOut">
               <a:rPr lang="en-IN" smtClean="0"/>
-              <a:t>09-06-2015</a:t>
+              <a:t>11-06-2015</a:t>
             </a:fld>
             <a:endParaRPr lang="en-IN"/>
           </a:p>
@@ -1034,7 +1034,7 @@
           <a:p>
             <a:fld id="{DF7189C5-6E85-4FE2-A0D4-1F92D7BE09D1}" type="datetimeFigureOut">
               <a:rPr lang="en-IN" smtClean="0"/>
-              <a:t>09-06-2015</a:t>
+              <a:t>11-06-2015</a:t>
             </a:fld>
             <a:endParaRPr lang="en-IN"/>
           </a:p>
@@ -1266,7 +1266,7 @@
           <a:p>
             <a:fld id="{DF7189C5-6E85-4FE2-A0D4-1F92D7BE09D1}" type="datetimeFigureOut">
               <a:rPr lang="en-IN" smtClean="0"/>
-              <a:t>09-06-2015</a:t>
+              <a:t>11-06-2015</a:t>
             </a:fld>
             <a:endParaRPr lang="en-IN"/>
           </a:p>
@@ -1633,7 +1633,7 @@
           <a:p>
             <a:fld id="{DF7189C5-6E85-4FE2-A0D4-1F92D7BE09D1}" type="datetimeFigureOut">
               <a:rPr lang="en-IN" smtClean="0"/>
-              <a:t>09-06-2015</a:t>
+              <a:t>11-06-2015</a:t>
             </a:fld>
             <a:endParaRPr lang="en-IN"/>
           </a:p>
@@ -1751,7 +1751,7 @@
           <a:p>
             <a:fld id="{DF7189C5-6E85-4FE2-A0D4-1F92D7BE09D1}" type="datetimeFigureOut">
               <a:rPr lang="en-IN" smtClean="0"/>
-              <a:t>09-06-2015</a:t>
+              <a:t>11-06-2015</a:t>
             </a:fld>
             <a:endParaRPr lang="en-IN"/>
           </a:p>
@@ -1846,7 +1846,7 @@
           <a:p>
             <a:fld id="{DF7189C5-6E85-4FE2-A0D4-1F92D7BE09D1}" type="datetimeFigureOut">
               <a:rPr lang="en-IN" smtClean="0"/>
-              <a:t>09-06-2015</a:t>
+              <a:t>11-06-2015</a:t>
             </a:fld>
             <a:endParaRPr lang="en-IN"/>
           </a:p>
@@ -2123,7 +2123,7 @@
           <a:p>
             <a:fld id="{DF7189C5-6E85-4FE2-A0D4-1F92D7BE09D1}" type="datetimeFigureOut">
               <a:rPr lang="en-IN" smtClean="0"/>
-              <a:t>09-06-2015</a:t>
+              <a:t>11-06-2015</a:t>
             </a:fld>
             <a:endParaRPr lang="en-IN"/>
           </a:p>
@@ -2376,7 +2376,7 @@
           <a:p>
             <a:fld id="{DF7189C5-6E85-4FE2-A0D4-1F92D7BE09D1}" type="datetimeFigureOut">
               <a:rPr lang="en-IN" smtClean="0"/>
-              <a:t>09-06-2015</a:t>
+              <a:t>11-06-2015</a:t>
             </a:fld>
             <a:endParaRPr lang="en-IN"/>
           </a:p>
@@ -2589,7 +2589,7 @@
           <a:p>
             <a:fld id="{DF7189C5-6E85-4FE2-A0D4-1F92D7BE09D1}" type="datetimeFigureOut">
               <a:rPr lang="en-IN" smtClean="0"/>
-              <a:t>09-06-2015</a:t>
+              <a:t>11-06-2015</a:t>
             </a:fld>
             <a:endParaRPr lang="en-IN"/>
           </a:p>
@@ -4787,11 +4787,7 @@
           <a:p>
             <a:r>
               <a:rPr lang="en-IN" dirty="0" smtClean="0"/>
-              <a:t>Do the same with </a:t>
-            </a:r>
-            <a:r>
-              <a:rPr lang="en-IN" dirty="0" smtClean="0"/>
-              <a:t>Fiddler</a:t>
+              <a:t>Do the same with Fiddler</a:t>
             </a:r>
           </a:p>
           <a:p>
@@ -5403,7 +5399,6 @@
               <a:rPr lang="en-IN" dirty="0" smtClean="0"/>
               <a:t> </a:t>
             </a:r>
-            <a:endParaRPr lang="en-IN" dirty="0" smtClean="0"/>
           </a:p>
           <a:p>
             <a:r>
@@ -5412,7 +5407,18 @@
             </a:r>
             <a:r>
               <a:rPr lang="en-IN" dirty="0"/>
-              <a:t>Framework: </a:t>
+              <a:t>Framework</a:t>
+            </a:r>
+            <a:r>
+              <a:rPr lang="en-IN" dirty="0" smtClean="0"/>
+              <a:t>:</a:t>
+            </a:r>
+          </a:p>
+          <a:p>
+            <a:pPr lvl="1"/>
+            <a:r>
+              <a:rPr lang="en-IN" dirty="0" smtClean="0"/>
+              <a:t> </a:t>
             </a:r>
             <a:r>
               <a:rPr lang="en-IN" dirty="0">
@@ -5425,6 +5431,26 @@
                 <a:hlinkClick r:id="rId5"/>
               </a:rPr>
               <a:t>jasmine.github.io/2.0/node.html</a:t>
+            </a:r>
+            <a:r>
+              <a:rPr lang="en-IN" dirty="0" smtClean="0"/>
+              <a:t> </a:t>
+            </a:r>
+            <a:endParaRPr lang="en-IN" dirty="0" smtClean="0"/>
+          </a:p>
+          <a:p>
+            <a:pPr lvl="1"/>
+            <a:r>
+              <a:rPr lang="en-IN" dirty="0">
+                <a:hlinkClick r:id="rId6"/>
+              </a:rPr>
+              <a:t>https://</a:t>
+            </a:r>
+            <a:r>
+              <a:rPr lang="en-IN" dirty="0" smtClean="0">
+                <a:hlinkClick r:id="rId6"/>
+              </a:rPr>
+              <a:t>semaphoreci.com/community/tutorials/getting-started-with-node-js-and-jasmine</a:t>
             </a:r>
             <a:r>
               <a:rPr lang="en-IN" dirty="0" smtClean="0"/>

--- a/docs/project.pptx
+++ b/docs/project.pptx
@@ -268,7 +268,7 @@
           <a:p>
             <a:fld id="{DF7189C5-6E85-4FE2-A0D4-1F92D7BE09D1}" type="datetimeFigureOut">
               <a:rPr lang="en-IN" smtClean="0"/>
-              <a:t>11-06-2015</a:t>
+              <a:t>17-06-2015</a:t>
             </a:fld>
             <a:endParaRPr lang="en-IN"/>
           </a:p>
@@ -438,7 +438,7 @@
           <a:p>
             <a:fld id="{DF7189C5-6E85-4FE2-A0D4-1F92D7BE09D1}" type="datetimeFigureOut">
               <a:rPr lang="en-IN" smtClean="0"/>
-              <a:t>11-06-2015</a:t>
+              <a:t>17-06-2015</a:t>
             </a:fld>
             <a:endParaRPr lang="en-IN"/>
           </a:p>
@@ -618,7 +618,7 @@
           <a:p>
             <a:fld id="{DF7189C5-6E85-4FE2-A0D4-1F92D7BE09D1}" type="datetimeFigureOut">
               <a:rPr lang="en-IN" smtClean="0"/>
-              <a:t>11-06-2015</a:t>
+              <a:t>17-06-2015</a:t>
             </a:fld>
             <a:endParaRPr lang="en-IN"/>
           </a:p>
@@ -788,7 +788,7 @@
           <a:p>
             <a:fld id="{DF7189C5-6E85-4FE2-A0D4-1F92D7BE09D1}" type="datetimeFigureOut">
               <a:rPr lang="en-IN" smtClean="0"/>
-              <a:t>11-06-2015</a:t>
+              <a:t>17-06-2015</a:t>
             </a:fld>
             <a:endParaRPr lang="en-IN"/>
           </a:p>
@@ -1034,7 +1034,7 @@
           <a:p>
             <a:fld id="{DF7189C5-6E85-4FE2-A0D4-1F92D7BE09D1}" type="datetimeFigureOut">
               <a:rPr lang="en-IN" smtClean="0"/>
-              <a:t>11-06-2015</a:t>
+              <a:t>17-06-2015</a:t>
             </a:fld>
             <a:endParaRPr lang="en-IN"/>
           </a:p>
@@ -1266,7 +1266,7 @@
           <a:p>
             <a:fld id="{DF7189C5-6E85-4FE2-A0D4-1F92D7BE09D1}" type="datetimeFigureOut">
               <a:rPr lang="en-IN" smtClean="0"/>
-              <a:t>11-06-2015</a:t>
+              <a:t>17-06-2015</a:t>
             </a:fld>
             <a:endParaRPr lang="en-IN"/>
           </a:p>
@@ -1633,7 +1633,7 @@
           <a:p>
             <a:fld id="{DF7189C5-6E85-4FE2-A0D4-1F92D7BE09D1}" type="datetimeFigureOut">
               <a:rPr lang="en-IN" smtClean="0"/>
-              <a:t>11-06-2015</a:t>
+              <a:t>17-06-2015</a:t>
             </a:fld>
             <a:endParaRPr lang="en-IN"/>
           </a:p>
@@ -1751,7 +1751,7 @@
           <a:p>
             <a:fld id="{DF7189C5-6E85-4FE2-A0D4-1F92D7BE09D1}" type="datetimeFigureOut">
               <a:rPr lang="en-IN" smtClean="0"/>
-              <a:t>11-06-2015</a:t>
+              <a:t>17-06-2015</a:t>
             </a:fld>
             <a:endParaRPr lang="en-IN"/>
           </a:p>
@@ -1846,7 +1846,7 @@
           <a:p>
             <a:fld id="{DF7189C5-6E85-4FE2-A0D4-1F92D7BE09D1}" type="datetimeFigureOut">
               <a:rPr lang="en-IN" smtClean="0"/>
-              <a:t>11-06-2015</a:t>
+              <a:t>17-06-2015</a:t>
             </a:fld>
             <a:endParaRPr lang="en-IN"/>
           </a:p>
@@ -2123,7 +2123,7 @@
           <a:p>
             <a:fld id="{DF7189C5-6E85-4FE2-A0D4-1F92D7BE09D1}" type="datetimeFigureOut">
               <a:rPr lang="en-IN" smtClean="0"/>
-              <a:t>11-06-2015</a:t>
+              <a:t>17-06-2015</a:t>
             </a:fld>
             <a:endParaRPr lang="en-IN"/>
           </a:p>
@@ -2376,7 +2376,7 @@
           <a:p>
             <a:fld id="{DF7189C5-6E85-4FE2-A0D4-1F92D7BE09D1}" type="datetimeFigureOut">
               <a:rPr lang="en-IN" smtClean="0"/>
-              <a:t>11-06-2015</a:t>
+              <a:t>17-06-2015</a:t>
             </a:fld>
             <a:endParaRPr lang="en-IN"/>
           </a:p>
@@ -2589,7 +2589,7 @@
           <a:p>
             <a:fld id="{DF7189C5-6E85-4FE2-A0D4-1F92D7BE09D1}" type="datetimeFigureOut">
               <a:rPr lang="en-IN" smtClean="0"/>
-              <a:t>11-06-2015</a:t>
+              <a:t>17-06-2015</a:t>
             </a:fld>
             <a:endParaRPr lang="en-IN"/>
           </a:p>
@@ -5436,7 +5436,6 @@
               <a:rPr lang="en-IN" dirty="0" smtClean="0"/>
               <a:t> </a:t>
             </a:r>
-            <a:endParaRPr lang="en-IN" dirty="0" smtClean="0"/>
           </a:p>
           <a:p>
             <a:pPr lvl="1"/>
@@ -5526,14 +5525,19 @@
         <p:spPr/>
         <p:txBody>
           <a:bodyPr>
-            <a:normAutofit lnSpcReduction="10000"/>
+            <a:normAutofit/>
           </a:bodyPr>
           <a:lstStyle/>
           <a:p>
             <a:r>
               <a:rPr lang="en-IN" dirty="0" smtClean="0"/>
-              <a:t>Build a RESTful Service that returns news items</a:t>
-            </a:r>
+              <a:t>Build a RESTful Service that </a:t>
+            </a:r>
+            <a:r>
+              <a:rPr lang="en-IN" dirty="0" smtClean="0"/>
+              <a:t>manages contacts</a:t>
+            </a:r>
+            <a:endParaRPr lang="en-IN" dirty="0" smtClean="0"/>
           </a:p>
           <a:p>
             <a:r>
@@ -5559,120 +5563,122 @@
               <a:rPr lang="en-IN" dirty="0" err="1" smtClean="0"/>
               <a:t>NodeJS</a:t>
             </a:r>
+            <a:r>
+              <a:rPr lang="en-IN" dirty="0" smtClean="0"/>
+              <a:t>, Express and Jasmine</a:t>
+            </a:r>
+          </a:p>
+          <a:p>
+            <a:pPr lvl="2"/>
+            <a:r>
+              <a:rPr lang="en-IN" dirty="0" smtClean="0"/>
+              <a:t>Follow steps in earlier slide</a:t>
+            </a:r>
             <a:endParaRPr lang="en-IN" dirty="0" smtClean="0"/>
           </a:p>
           <a:p>
             <a:pPr lvl="1"/>
             <a:r>
               <a:rPr lang="en-IN" dirty="0" smtClean="0"/>
-              <a:t>Setup-git: clone git repo</a:t>
+              <a:t>Setup-git: clone git </a:t>
+            </a:r>
+            <a:r>
+              <a:rPr lang="en-IN" dirty="0"/>
+              <a:t>repo - </a:t>
+            </a:r>
+            <a:r>
+              <a:rPr lang="en-IN" dirty="0">
+                <a:hlinkClick r:id="rId2"/>
+              </a:rPr>
+              <a:t>https://</a:t>
+            </a:r>
+            <a:r>
+              <a:rPr lang="en-IN" dirty="0" smtClean="0">
+                <a:hlinkClick r:id="rId2"/>
+              </a:rPr>
+              <a:t>github.com/jaganper/mrnd-nodejs</a:t>
+            </a:r>
+            <a:r>
+              <a:rPr lang="en-IN" dirty="0" smtClean="0"/>
+              <a:t> </a:t>
             </a:r>
           </a:p>
           <a:p>
             <a:pPr lvl="1"/>
             <a:r>
+              <a:rPr lang="en-IN" dirty="0" smtClean="0"/>
+              <a:t>Learn JavaScript –</a:t>
+            </a:r>
+            <a:r>
+              <a:rPr lang="en-IN" dirty="0" smtClean="0"/>
+              <a:t> </a:t>
+            </a:r>
+            <a:r>
               <a:rPr lang="en-IN" dirty="0" err="1" smtClean="0"/>
-              <a:t>GetAll-helloworld</a:t>
-            </a:r>
-            <a:r>
-              <a:rPr lang="en-IN" dirty="0" smtClean="0"/>
-              <a:t>: Add GET /news </a:t>
-            </a:r>
-            <a:r>
-              <a:rPr lang="en-IN" dirty="0"/>
-              <a:t>that returns an array of "hello world" news </a:t>
-            </a:r>
-            <a:r>
-              <a:rPr lang="en-IN" dirty="0" smtClean="0"/>
-              <a:t>items</a:t>
+              <a:t>JSIntroSpec</a:t>
+            </a:r>
+            <a:r>
+              <a:rPr lang="en-IN" dirty="0" smtClean="0"/>
+              <a:t> tests should pass</a:t>
             </a:r>
           </a:p>
           <a:p>
             <a:pPr lvl="1"/>
             <a:r>
+              <a:rPr lang="en-IN" dirty="0" smtClean="0"/>
+              <a:t>Learn Http Concepts – </a:t>
+            </a:r>
+            <a:r>
               <a:rPr lang="en-IN" dirty="0" err="1" smtClean="0"/>
-              <a:t>GetDetails</a:t>
-            </a:r>
-            <a:r>
-              <a:rPr lang="en-IN" dirty="0" smtClean="0"/>
-              <a:t>-HelloWorld: Add GET /news/id</a:t>
+              <a:t>HttpIntroSpec</a:t>
+            </a:r>
+            <a:r>
+              <a:rPr lang="en-IN" dirty="0" smtClean="0"/>
+              <a:t> tests should pass</a:t>
             </a:r>
           </a:p>
           <a:p>
             <a:pPr lvl="1"/>
             <a:r>
               <a:rPr lang="en-IN" dirty="0" smtClean="0"/>
-              <a:t>Post-</a:t>
+              <a:t>Implement </a:t>
             </a:r>
             <a:r>
               <a:rPr lang="en-IN" dirty="0" err="1" smtClean="0"/>
-              <a:t>Api</a:t>
-            </a:r>
-            <a:r>
-              <a:rPr lang="en-IN" dirty="0" smtClean="0"/>
-              <a:t>: </a:t>
-            </a:r>
-            <a:r>
-              <a:rPr lang="en-IN" dirty="0"/>
-              <a:t>Add post </a:t>
-            </a:r>
-            <a:r>
-              <a:rPr lang="en-IN" dirty="0" err="1"/>
-              <a:t>api</a:t>
-            </a:r>
-            <a:r>
-              <a:rPr lang="en-IN" dirty="0"/>
-              <a:t> /news/id that takes in a news feed item and stores it in-memory </a:t>
-            </a:r>
-            <a:r>
-              <a:rPr lang="en-IN" dirty="0" smtClean="0"/>
-              <a:t>hash-table</a:t>
-            </a:r>
-          </a:p>
-          <a:p>
-            <a:pPr lvl="1"/>
-            <a:r>
-              <a:rPr lang="en-IN" dirty="0" smtClean="0"/>
-              <a:t>Get-</a:t>
+              <a:t>nodeJS</a:t>
+            </a:r>
+            <a:r>
+              <a:rPr lang="en-IN" dirty="0" smtClean="0"/>
+              <a:t> web server that</a:t>
+            </a:r>
+          </a:p>
+          <a:p>
+            <a:pPr lvl="2"/>
+            <a:r>
+              <a:rPr lang="en-IN" dirty="0" smtClean="0"/>
+              <a:t>accepts CRUD requests on Contacts – </a:t>
             </a:r>
             <a:r>
               <a:rPr lang="en-IN" dirty="0" err="1" smtClean="0"/>
-              <a:t>Inmemory</a:t>
-            </a:r>
-            <a:r>
-              <a:rPr lang="en-IN" dirty="0" smtClean="0"/>
-              <a:t>: </a:t>
-            </a:r>
-            <a:r>
-              <a:rPr lang="en-IN" dirty="0"/>
-              <a:t>Fix GET </a:t>
-            </a:r>
-            <a:r>
-              <a:rPr lang="en-IN" dirty="0" err="1"/>
-              <a:t>Apis</a:t>
-            </a:r>
-            <a:r>
-              <a:rPr lang="en-IN" dirty="0"/>
-              <a:t> to return from </a:t>
-            </a:r>
-            <a:r>
-              <a:rPr lang="en-IN" dirty="0" smtClean="0"/>
-              <a:t>hash-table</a:t>
-            </a:r>
-          </a:p>
-          <a:p>
-            <a:pPr lvl="1"/>
-            <a:r>
-              <a:rPr lang="en-IN" dirty="0" err="1" smtClean="0"/>
-              <a:t>FilePersistence</a:t>
-            </a:r>
-            <a:r>
-              <a:rPr lang="en-IN" dirty="0" smtClean="0"/>
-              <a:t> - </a:t>
-            </a:r>
-            <a:r>
-              <a:rPr lang="en-IN" dirty="0"/>
-              <a:t>Modify server to store content to file</a:t>
+              <a:t>ContactsSpec</a:t>
+            </a:r>
+            <a:r>
+              <a:rPr lang="en-IN" dirty="0" smtClean="0"/>
+              <a:t> tests should pass</a:t>
+            </a:r>
+          </a:p>
+          <a:p>
+            <a:pPr lvl="2"/>
+            <a:r>
+              <a:rPr lang="en-IN" dirty="0" smtClean="0"/>
+              <a:t>Extend Contact Web Service to allow posting of messages to a contact</a:t>
+            </a:r>
+          </a:p>
+          <a:p>
+            <a:pPr lvl="2"/>
+            <a:r>
+              <a:rPr lang="en-IN" dirty="0" smtClean="0"/>
+              <a:t>Extend Contact Web Service to allow file persistence of data</a:t>
             </a:r>
             <a:endParaRPr lang="en-IN" dirty="0" smtClean="0"/>
           </a:p>
